--- a/中越詩歌/頌讚袮哈利路亞_Ngợi Khen Cha Hallelujah.pptx
+++ b/中越詩歌/頌讚袮哈利路亞_Ngợi Khen Cha Hallelujah.pptx
@@ -112,6 +112,11 @@
       </a:defRPr>
     </a:lvl9pPr>
   </p:defaultTextStyle>
+  <p:extLst>
+    <p:ext uri="{EFAFB233-063F-42B5-8137-9DF3F51BA10A}">
+      <p15:sldGuideLst xmlns:p15="http://schemas.microsoft.com/office/powerpoint/2012/main"/>
+    </p:ext>
+  </p:extLst>
 </p:presentation>
 </file>
 
@@ -153,7 +158,7 @@
           <a:lstStyle/>
           <a:p>
             <a:r>
-              <a:rPr lang="en-US" altLang="zh-TW" smtClean="0"/>
+              <a:rPr lang="en-US" altLang="zh-TW"/>
               <a:t>Click to edit Master title style</a:t>
             </a:r>
             <a:endParaRPr lang="zh-TW" altLang="en-US"/>
@@ -272,7 +277,7 @@
           </a:lstStyle>
           <a:p>
             <a:r>
-              <a:rPr lang="en-US" altLang="zh-TW" smtClean="0"/>
+              <a:rPr lang="en-US" altLang="zh-TW"/>
               <a:t>Click to edit Master subtitle style</a:t>
             </a:r>
             <a:endParaRPr lang="zh-TW" altLang="en-US"/>
@@ -296,7 +301,7 @@
           <a:p>
             <a:fld id="{6B8DD48E-D40D-4ADF-AB40-C73690246DE3}" type="datetimeFigureOut">
               <a:rPr lang="vi-VN" smtClean="0"/>
-              <a:t>30/12/2021</a:t>
+              <a:t>31/12/2023</a:t>
             </a:fld>
             <a:endParaRPr lang="vi-VN"/>
           </a:p>
@@ -390,7 +395,7 @@
           <a:lstStyle/>
           <a:p>
             <a:r>
-              <a:rPr lang="en-US" altLang="zh-TW" smtClean="0"/>
+              <a:rPr lang="en-US" altLang="zh-TW"/>
               <a:t>Click to edit Master title style</a:t>
             </a:r>
             <a:endParaRPr lang="zh-TW" altLang="en-US"/>
@@ -414,35 +419,35 @@
           <a:p>
             <a:pPr lvl="0"/>
             <a:r>
-              <a:rPr lang="en-US" altLang="zh-TW" smtClean="0"/>
+              <a:rPr lang="en-US" altLang="zh-TW"/>
               <a:t>Edit Master text styles</a:t>
             </a:r>
           </a:p>
           <a:p>
             <a:pPr lvl="1"/>
             <a:r>
-              <a:rPr lang="en-US" altLang="zh-TW" smtClean="0"/>
+              <a:rPr lang="en-US" altLang="zh-TW"/>
               <a:t>Second level</a:t>
             </a:r>
           </a:p>
           <a:p>
             <a:pPr lvl="2"/>
             <a:r>
-              <a:rPr lang="en-US" altLang="zh-TW" smtClean="0"/>
+              <a:rPr lang="en-US" altLang="zh-TW"/>
               <a:t>Third level</a:t>
             </a:r>
           </a:p>
           <a:p>
             <a:pPr lvl="3"/>
             <a:r>
-              <a:rPr lang="en-US" altLang="zh-TW" smtClean="0"/>
+              <a:rPr lang="en-US" altLang="zh-TW"/>
               <a:t>Fourth level</a:t>
             </a:r>
           </a:p>
           <a:p>
             <a:pPr lvl="4"/>
             <a:r>
-              <a:rPr lang="en-US" altLang="zh-TW" smtClean="0"/>
+              <a:rPr lang="en-US" altLang="zh-TW"/>
               <a:t>Fifth level</a:t>
             </a:r>
             <a:endParaRPr lang="zh-TW" altLang="en-US"/>
@@ -466,7 +471,7 @@
           <a:p>
             <a:fld id="{6B8DD48E-D40D-4ADF-AB40-C73690246DE3}" type="datetimeFigureOut">
               <a:rPr lang="vi-VN" smtClean="0"/>
-              <a:t>30/12/2021</a:t>
+              <a:t>31/12/2023</a:t>
             </a:fld>
             <a:endParaRPr lang="vi-VN"/>
           </a:p>
@@ -565,7 +570,7 @@
           <a:lstStyle/>
           <a:p>
             <a:r>
-              <a:rPr lang="en-US" altLang="zh-TW" smtClean="0"/>
+              <a:rPr lang="en-US" altLang="zh-TW"/>
               <a:t>Click to edit Master title style</a:t>
             </a:r>
             <a:endParaRPr lang="zh-TW" altLang="en-US"/>
@@ -594,35 +599,35 @@
           <a:p>
             <a:pPr lvl="0"/>
             <a:r>
-              <a:rPr lang="en-US" altLang="zh-TW" smtClean="0"/>
+              <a:rPr lang="en-US" altLang="zh-TW"/>
               <a:t>Edit Master text styles</a:t>
             </a:r>
           </a:p>
           <a:p>
             <a:pPr lvl="1"/>
             <a:r>
-              <a:rPr lang="en-US" altLang="zh-TW" smtClean="0"/>
+              <a:rPr lang="en-US" altLang="zh-TW"/>
               <a:t>Second level</a:t>
             </a:r>
           </a:p>
           <a:p>
             <a:pPr lvl="2"/>
             <a:r>
-              <a:rPr lang="en-US" altLang="zh-TW" smtClean="0"/>
+              <a:rPr lang="en-US" altLang="zh-TW"/>
               <a:t>Third level</a:t>
             </a:r>
           </a:p>
           <a:p>
             <a:pPr lvl="3"/>
             <a:r>
-              <a:rPr lang="en-US" altLang="zh-TW" smtClean="0"/>
+              <a:rPr lang="en-US" altLang="zh-TW"/>
               <a:t>Fourth level</a:t>
             </a:r>
           </a:p>
           <a:p>
             <a:pPr lvl="4"/>
             <a:r>
-              <a:rPr lang="en-US" altLang="zh-TW" smtClean="0"/>
+              <a:rPr lang="en-US" altLang="zh-TW"/>
               <a:t>Fifth level</a:t>
             </a:r>
             <a:endParaRPr lang="zh-TW" altLang="en-US"/>
@@ -646,7 +651,7 @@
           <a:p>
             <a:fld id="{6B8DD48E-D40D-4ADF-AB40-C73690246DE3}" type="datetimeFigureOut">
               <a:rPr lang="vi-VN" smtClean="0"/>
-              <a:t>30/12/2021</a:t>
+              <a:t>31/12/2023</a:t>
             </a:fld>
             <a:endParaRPr lang="vi-VN"/>
           </a:p>
@@ -740,7 +745,7 @@
           <a:lstStyle/>
           <a:p>
             <a:r>
-              <a:rPr lang="en-US" altLang="zh-TW" smtClean="0"/>
+              <a:rPr lang="en-US" altLang="zh-TW"/>
               <a:t>Click to edit Master title style</a:t>
             </a:r>
             <a:endParaRPr lang="zh-TW" altLang="en-US"/>
@@ -764,35 +769,35 @@
           <a:p>
             <a:pPr lvl="0"/>
             <a:r>
-              <a:rPr lang="en-US" altLang="zh-TW" smtClean="0"/>
+              <a:rPr lang="en-US" altLang="zh-TW"/>
               <a:t>Edit Master text styles</a:t>
             </a:r>
           </a:p>
           <a:p>
             <a:pPr lvl="1"/>
             <a:r>
-              <a:rPr lang="en-US" altLang="zh-TW" smtClean="0"/>
+              <a:rPr lang="en-US" altLang="zh-TW"/>
               <a:t>Second level</a:t>
             </a:r>
           </a:p>
           <a:p>
             <a:pPr lvl="2"/>
             <a:r>
-              <a:rPr lang="en-US" altLang="zh-TW" smtClean="0"/>
+              <a:rPr lang="en-US" altLang="zh-TW"/>
               <a:t>Third level</a:t>
             </a:r>
           </a:p>
           <a:p>
             <a:pPr lvl="3"/>
             <a:r>
-              <a:rPr lang="en-US" altLang="zh-TW" smtClean="0"/>
+              <a:rPr lang="en-US" altLang="zh-TW"/>
               <a:t>Fourth level</a:t>
             </a:r>
           </a:p>
           <a:p>
             <a:pPr lvl="4"/>
             <a:r>
-              <a:rPr lang="en-US" altLang="zh-TW" smtClean="0"/>
+              <a:rPr lang="en-US" altLang="zh-TW"/>
               <a:t>Fifth level</a:t>
             </a:r>
             <a:endParaRPr lang="zh-TW" altLang="en-US"/>
@@ -816,7 +821,7 @@
           <a:p>
             <a:fld id="{6B8DD48E-D40D-4ADF-AB40-C73690246DE3}" type="datetimeFigureOut">
               <a:rPr lang="vi-VN" smtClean="0"/>
-              <a:t>30/12/2021</a:t>
+              <a:t>31/12/2023</a:t>
             </a:fld>
             <a:endParaRPr lang="vi-VN"/>
           </a:p>
@@ -919,7 +924,7 @@
           </a:lstStyle>
           <a:p>
             <a:r>
-              <a:rPr lang="en-US" altLang="zh-TW" smtClean="0"/>
+              <a:rPr lang="en-US" altLang="zh-TW"/>
               <a:t>Click to edit Master title style</a:t>
             </a:r>
             <a:endParaRPr lang="zh-TW" altLang="en-US"/>
@@ -1039,7 +1044,7 @@
           <a:p>
             <a:pPr lvl="0"/>
             <a:r>
-              <a:rPr lang="en-US" altLang="zh-TW" smtClean="0"/>
+              <a:rPr lang="en-US" altLang="zh-TW"/>
               <a:t>Edit Master text styles</a:t>
             </a:r>
           </a:p>
@@ -1062,7 +1067,7 @@
           <a:p>
             <a:fld id="{6B8DD48E-D40D-4ADF-AB40-C73690246DE3}" type="datetimeFigureOut">
               <a:rPr lang="vi-VN" smtClean="0"/>
-              <a:t>30/12/2021</a:t>
+              <a:t>31/12/2023</a:t>
             </a:fld>
             <a:endParaRPr lang="vi-VN"/>
           </a:p>
@@ -1156,7 +1161,7 @@
           <a:lstStyle/>
           <a:p>
             <a:r>
-              <a:rPr lang="en-US" altLang="zh-TW" smtClean="0"/>
+              <a:rPr lang="en-US" altLang="zh-TW"/>
               <a:t>Click to edit Master title style</a:t>
             </a:r>
             <a:endParaRPr lang="zh-TW" altLang="en-US"/>
@@ -1213,35 +1218,35 @@
           <a:p>
             <a:pPr lvl="0"/>
             <a:r>
-              <a:rPr lang="en-US" altLang="zh-TW" smtClean="0"/>
+              <a:rPr lang="en-US" altLang="zh-TW"/>
               <a:t>Edit Master text styles</a:t>
             </a:r>
           </a:p>
           <a:p>
             <a:pPr lvl="1"/>
             <a:r>
-              <a:rPr lang="en-US" altLang="zh-TW" smtClean="0"/>
+              <a:rPr lang="en-US" altLang="zh-TW"/>
               <a:t>Second level</a:t>
             </a:r>
           </a:p>
           <a:p>
             <a:pPr lvl="2"/>
             <a:r>
-              <a:rPr lang="en-US" altLang="zh-TW" smtClean="0"/>
+              <a:rPr lang="en-US" altLang="zh-TW"/>
               <a:t>Third level</a:t>
             </a:r>
           </a:p>
           <a:p>
             <a:pPr lvl="3"/>
             <a:r>
-              <a:rPr lang="en-US" altLang="zh-TW" smtClean="0"/>
+              <a:rPr lang="en-US" altLang="zh-TW"/>
               <a:t>Fourth level</a:t>
             </a:r>
           </a:p>
           <a:p>
             <a:pPr lvl="4"/>
             <a:r>
-              <a:rPr lang="en-US" altLang="zh-TW" smtClean="0"/>
+              <a:rPr lang="en-US" altLang="zh-TW"/>
               <a:t>Fifth level</a:t>
             </a:r>
             <a:endParaRPr lang="zh-TW" altLang="en-US"/>
@@ -1298,35 +1303,35 @@
           <a:p>
             <a:pPr lvl="0"/>
             <a:r>
-              <a:rPr lang="en-US" altLang="zh-TW" smtClean="0"/>
+              <a:rPr lang="en-US" altLang="zh-TW"/>
               <a:t>Edit Master text styles</a:t>
             </a:r>
           </a:p>
           <a:p>
             <a:pPr lvl="1"/>
             <a:r>
-              <a:rPr lang="en-US" altLang="zh-TW" smtClean="0"/>
+              <a:rPr lang="en-US" altLang="zh-TW"/>
               <a:t>Second level</a:t>
             </a:r>
           </a:p>
           <a:p>
             <a:pPr lvl="2"/>
             <a:r>
-              <a:rPr lang="en-US" altLang="zh-TW" smtClean="0"/>
+              <a:rPr lang="en-US" altLang="zh-TW"/>
               <a:t>Third level</a:t>
             </a:r>
           </a:p>
           <a:p>
             <a:pPr lvl="3"/>
             <a:r>
-              <a:rPr lang="en-US" altLang="zh-TW" smtClean="0"/>
+              <a:rPr lang="en-US" altLang="zh-TW"/>
               <a:t>Fourth level</a:t>
             </a:r>
           </a:p>
           <a:p>
             <a:pPr lvl="4"/>
             <a:r>
-              <a:rPr lang="en-US" altLang="zh-TW" smtClean="0"/>
+              <a:rPr lang="en-US" altLang="zh-TW"/>
               <a:t>Fifth level</a:t>
             </a:r>
             <a:endParaRPr lang="zh-TW" altLang="en-US"/>
@@ -1350,7 +1355,7 @@
           <a:p>
             <a:fld id="{6B8DD48E-D40D-4ADF-AB40-C73690246DE3}" type="datetimeFigureOut">
               <a:rPr lang="vi-VN" smtClean="0"/>
-              <a:t>30/12/2021</a:t>
+              <a:t>31/12/2023</a:t>
             </a:fld>
             <a:endParaRPr lang="vi-VN"/>
           </a:p>
@@ -1448,7 +1453,7 @@
           </a:lstStyle>
           <a:p>
             <a:r>
-              <a:rPr lang="en-US" altLang="zh-TW" smtClean="0"/>
+              <a:rPr lang="en-US" altLang="zh-TW"/>
               <a:t>Click to edit Master title style</a:t>
             </a:r>
             <a:endParaRPr lang="zh-TW" altLang="en-US"/>
@@ -1514,7 +1519,7 @@
           <a:p>
             <a:pPr lvl="0"/>
             <a:r>
-              <a:rPr lang="en-US" altLang="zh-TW" smtClean="0"/>
+              <a:rPr lang="en-US" altLang="zh-TW"/>
               <a:t>Edit Master text styles</a:t>
             </a:r>
           </a:p>
@@ -1570,35 +1575,35 @@
           <a:p>
             <a:pPr lvl="0"/>
             <a:r>
-              <a:rPr lang="en-US" altLang="zh-TW" smtClean="0"/>
+              <a:rPr lang="en-US" altLang="zh-TW"/>
               <a:t>Edit Master text styles</a:t>
             </a:r>
           </a:p>
           <a:p>
             <a:pPr lvl="1"/>
             <a:r>
-              <a:rPr lang="en-US" altLang="zh-TW" smtClean="0"/>
+              <a:rPr lang="en-US" altLang="zh-TW"/>
               <a:t>Second level</a:t>
             </a:r>
           </a:p>
           <a:p>
             <a:pPr lvl="2"/>
             <a:r>
-              <a:rPr lang="en-US" altLang="zh-TW" smtClean="0"/>
+              <a:rPr lang="en-US" altLang="zh-TW"/>
               <a:t>Third level</a:t>
             </a:r>
           </a:p>
           <a:p>
             <a:pPr lvl="3"/>
             <a:r>
-              <a:rPr lang="en-US" altLang="zh-TW" smtClean="0"/>
+              <a:rPr lang="en-US" altLang="zh-TW"/>
               <a:t>Fourth level</a:t>
             </a:r>
           </a:p>
           <a:p>
             <a:pPr lvl="4"/>
             <a:r>
-              <a:rPr lang="en-US" altLang="zh-TW" smtClean="0"/>
+              <a:rPr lang="en-US" altLang="zh-TW"/>
               <a:t>Fifth level</a:t>
             </a:r>
             <a:endParaRPr lang="zh-TW" altLang="en-US"/>
@@ -1664,7 +1669,7 @@
           <a:p>
             <a:pPr lvl="0"/>
             <a:r>
-              <a:rPr lang="en-US" altLang="zh-TW" smtClean="0"/>
+              <a:rPr lang="en-US" altLang="zh-TW"/>
               <a:t>Edit Master text styles</a:t>
             </a:r>
           </a:p>
@@ -1720,35 +1725,35 @@
           <a:p>
             <a:pPr lvl="0"/>
             <a:r>
-              <a:rPr lang="en-US" altLang="zh-TW" smtClean="0"/>
+              <a:rPr lang="en-US" altLang="zh-TW"/>
               <a:t>Edit Master text styles</a:t>
             </a:r>
           </a:p>
           <a:p>
             <a:pPr lvl="1"/>
             <a:r>
-              <a:rPr lang="en-US" altLang="zh-TW" smtClean="0"/>
+              <a:rPr lang="en-US" altLang="zh-TW"/>
               <a:t>Second level</a:t>
             </a:r>
           </a:p>
           <a:p>
             <a:pPr lvl="2"/>
             <a:r>
-              <a:rPr lang="en-US" altLang="zh-TW" smtClean="0"/>
+              <a:rPr lang="en-US" altLang="zh-TW"/>
               <a:t>Third level</a:t>
             </a:r>
           </a:p>
           <a:p>
             <a:pPr lvl="3"/>
             <a:r>
-              <a:rPr lang="en-US" altLang="zh-TW" smtClean="0"/>
+              <a:rPr lang="en-US" altLang="zh-TW"/>
               <a:t>Fourth level</a:t>
             </a:r>
           </a:p>
           <a:p>
             <a:pPr lvl="4"/>
             <a:r>
-              <a:rPr lang="en-US" altLang="zh-TW" smtClean="0"/>
+              <a:rPr lang="en-US" altLang="zh-TW"/>
               <a:t>Fifth level</a:t>
             </a:r>
             <a:endParaRPr lang="zh-TW" altLang="en-US"/>
@@ -1772,7 +1777,7 @@
           <a:p>
             <a:fld id="{6B8DD48E-D40D-4ADF-AB40-C73690246DE3}" type="datetimeFigureOut">
               <a:rPr lang="vi-VN" smtClean="0"/>
-              <a:t>30/12/2021</a:t>
+              <a:t>31/12/2023</a:t>
             </a:fld>
             <a:endParaRPr lang="vi-VN"/>
           </a:p>
@@ -1866,7 +1871,7 @@
           <a:lstStyle/>
           <a:p>
             <a:r>
-              <a:rPr lang="en-US" altLang="zh-TW" smtClean="0"/>
+              <a:rPr lang="en-US" altLang="zh-TW"/>
               <a:t>Click to edit Master title style</a:t>
             </a:r>
             <a:endParaRPr lang="zh-TW" altLang="en-US"/>
@@ -1890,7 +1895,7 @@
           <a:p>
             <a:fld id="{6B8DD48E-D40D-4ADF-AB40-C73690246DE3}" type="datetimeFigureOut">
               <a:rPr lang="vi-VN" smtClean="0"/>
-              <a:t>30/12/2021</a:t>
+              <a:t>31/12/2023</a:t>
             </a:fld>
             <a:endParaRPr lang="vi-VN"/>
           </a:p>
@@ -1985,7 +1990,7 @@
           <a:p>
             <a:fld id="{6B8DD48E-D40D-4ADF-AB40-C73690246DE3}" type="datetimeFigureOut">
               <a:rPr lang="vi-VN" smtClean="0"/>
-              <a:t>30/12/2021</a:t>
+              <a:t>31/12/2023</a:t>
             </a:fld>
             <a:endParaRPr lang="vi-VN"/>
           </a:p>
@@ -2088,7 +2093,7 @@
           </a:lstStyle>
           <a:p>
             <a:r>
-              <a:rPr lang="en-US" altLang="zh-TW" smtClean="0"/>
+              <a:rPr lang="en-US" altLang="zh-TW"/>
               <a:t>Click to edit Master title style</a:t>
             </a:r>
             <a:endParaRPr lang="zh-TW" altLang="en-US"/>
@@ -2145,35 +2150,35 @@
           <a:p>
             <a:pPr lvl="0"/>
             <a:r>
-              <a:rPr lang="en-US" altLang="zh-TW" smtClean="0"/>
+              <a:rPr lang="en-US" altLang="zh-TW"/>
               <a:t>Edit Master text styles</a:t>
             </a:r>
           </a:p>
           <a:p>
             <a:pPr lvl="1"/>
             <a:r>
-              <a:rPr lang="en-US" altLang="zh-TW" smtClean="0"/>
+              <a:rPr lang="en-US" altLang="zh-TW"/>
               <a:t>Second level</a:t>
             </a:r>
           </a:p>
           <a:p>
             <a:pPr lvl="2"/>
             <a:r>
-              <a:rPr lang="en-US" altLang="zh-TW" smtClean="0"/>
+              <a:rPr lang="en-US" altLang="zh-TW"/>
               <a:t>Third level</a:t>
             </a:r>
           </a:p>
           <a:p>
             <a:pPr lvl="3"/>
             <a:r>
-              <a:rPr lang="en-US" altLang="zh-TW" smtClean="0"/>
+              <a:rPr lang="en-US" altLang="zh-TW"/>
               <a:t>Fourth level</a:t>
             </a:r>
           </a:p>
           <a:p>
             <a:pPr lvl="4"/>
             <a:r>
-              <a:rPr lang="en-US" altLang="zh-TW" smtClean="0"/>
+              <a:rPr lang="en-US" altLang="zh-TW"/>
               <a:t>Fifth level</a:t>
             </a:r>
             <a:endParaRPr lang="zh-TW" altLang="en-US"/>
@@ -2239,7 +2244,7 @@
           <a:p>
             <a:pPr lvl="0"/>
             <a:r>
-              <a:rPr lang="en-US" altLang="zh-TW" smtClean="0"/>
+              <a:rPr lang="en-US" altLang="zh-TW"/>
               <a:t>Edit Master text styles</a:t>
             </a:r>
           </a:p>
@@ -2262,7 +2267,7 @@
           <a:p>
             <a:fld id="{6B8DD48E-D40D-4ADF-AB40-C73690246DE3}" type="datetimeFigureOut">
               <a:rPr lang="vi-VN" smtClean="0"/>
-              <a:t>30/12/2021</a:t>
+              <a:t>31/12/2023</a:t>
             </a:fld>
             <a:endParaRPr lang="vi-VN"/>
           </a:p>
@@ -2365,7 +2370,7 @@
           </a:lstStyle>
           <a:p>
             <a:r>
-              <a:rPr lang="en-US" altLang="zh-TW" smtClean="0"/>
+              <a:rPr lang="en-US" altLang="zh-TW"/>
               <a:t>Click to edit Master title style</a:t>
             </a:r>
             <a:endParaRPr lang="zh-TW" altLang="en-US"/>
@@ -2430,7 +2435,7 @@
           </a:lstStyle>
           <a:p>
             <a:r>
-              <a:rPr lang="en-US" altLang="zh-TW" smtClean="0"/>
+              <a:rPr lang="en-US" altLang="zh-TW"/>
               <a:t>Click icon to add picture</a:t>
             </a:r>
             <a:endParaRPr lang="zh-TW" altLang="en-US"/>
@@ -2496,7 +2501,7 @@
           <a:p>
             <a:pPr lvl="0"/>
             <a:r>
-              <a:rPr lang="en-US" altLang="zh-TW" smtClean="0"/>
+              <a:rPr lang="en-US" altLang="zh-TW"/>
               <a:t>Edit Master text styles</a:t>
             </a:r>
           </a:p>
@@ -2519,7 +2524,7 @@
           <a:p>
             <a:fld id="{6B8DD48E-D40D-4ADF-AB40-C73690246DE3}" type="datetimeFigureOut">
               <a:rPr lang="vi-VN" smtClean="0"/>
-              <a:t>30/12/2021</a:t>
+              <a:t>31/12/2023</a:t>
             </a:fld>
             <a:endParaRPr lang="vi-VN"/>
           </a:p>
@@ -2633,10 +2638,9 @@
           <a:lstStyle/>
           <a:p>
             <a:r>
-              <a:rPr lang="zh-TW" altLang="en-US" smtClean="0"/>
+              <a:rPr lang="zh-TW" altLang="en-US"/>
               <a:t>按一下以編輯母片標題樣式</a:t>
             </a:r>
-            <a:endParaRPr lang="zh-TW" altLang="en-US"/>
           </a:p>
         </p:txBody>
       </p:sp>
@@ -2667,38 +2671,37 @@
           <a:p>
             <a:pPr lvl="0"/>
             <a:r>
-              <a:rPr lang="zh-TW" altLang="en-US" smtClean="0"/>
+              <a:rPr lang="zh-TW" altLang="en-US"/>
               <a:t>按一下以編輯母片文字樣式</a:t>
             </a:r>
           </a:p>
           <a:p>
             <a:pPr lvl="1"/>
             <a:r>
-              <a:rPr lang="zh-TW" altLang="en-US" smtClean="0"/>
+              <a:rPr lang="zh-TW" altLang="en-US"/>
               <a:t>第二層</a:t>
             </a:r>
           </a:p>
           <a:p>
             <a:pPr lvl="2"/>
             <a:r>
-              <a:rPr lang="zh-TW" altLang="en-US" smtClean="0"/>
+              <a:rPr lang="zh-TW" altLang="en-US"/>
               <a:t>第三層</a:t>
             </a:r>
           </a:p>
           <a:p>
             <a:pPr lvl="3"/>
             <a:r>
-              <a:rPr lang="zh-TW" altLang="en-US" smtClean="0"/>
+              <a:rPr lang="zh-TW" altLang="en-US"/>
               <a:t>第四層</a:t>
             </a:r>
           </a:p>
           <a:p>
             <a:pPr lvl="4"/>
             <a:r>
-              <a:rPr lang="zh-TW" altLang="en-US" smtClean="0"/>
+              <a:rPr lang="zh-TW" altLang="en-US"/>
               <a:t>第五層</a:t>
             </a:r>
-            <a:endParaRPr lang="zh-TW" altLang="en-US"/>
           </a:p>
         </p:txBody>
       </p:sp>
@@ -2737,7 +2740,7 @@
           <a:p>
             <a:fld id="{6B8DD48E-D40D-4ADF-AB40-C73690246DE3}" type="datetimeFigureOut">
               <a:rPr lang="vi-VN" smtClean="0"/>
-              <a:t>30/12/2021</a:t>
+              <a:t>31/12/2023</a:t>
             </a:fld>
             <a:endParaRPr lang="vi-VN"/>
           </a:p>
@@ -3135,7 +3138,7 @@
           <a:lstStyle/>
           <a:p>
             <a:r>
-              <a:rPr lang="zh-TW" altLang="en-US" sz="7200" b="1" i="1" dirty="0" smtClean="0">
+              <a:rPr lang="zh-TW" altLang="en-US" sz="7200" b="1" i="1" dirty="0">
                 <a:solidFill>
                   <a:srgbClr val="660033"/>
                 </a:solidFill>
@@ -3149,10 +3152,10 @@
                 <a:latin typeface="微軟正黑體" pitchFamily="34" charset="-120"/>
                 <a:ea typeface="微軟正黑體" pitchFamily="34" charset="-120"/>
               </a:rPr>
-              <a:t>頌</a:t>
-            </a:r>
-            <a:r>
-              <a:rPr lang="zh-TW" altLang="en-US" sz="7200" b="1" i="1" dirty="0">
+              <a:t>頌讚</a:t>
+            </a:r>
+            <a:r>
+              <a:rPr lang="zh-CN" altLang="en-US" sz="7200" b="1" i="1" dirty="0">
                 <a:solidFill>
                   <a:srgbClr val="660033"/>
                 </a:solidFill>
@@ -3166,24 +3169,7 @@
                 <a:latin typeface="微軟正黑體" pitchFamily="34" charset="-120"/>
                 <a:ea typeface="微軟正黑體" pitchFamily="34" charset="-120"/>
               </a:rPr>
-              <a:t>讚</a:t>
-            </a:r>
-            <a:r>
-              <a:rPr lang="zh-CN" altLang="en-US" sz="7200" b="1" i="1" dirty="0">
-                <a:solidFill>
-                  <a:srgbClr val="660033"/>
-                </a:solidFill>
-                <a:effectLst>
-                  <a:outerShdw blurRad="38100" dist="38100" dir="2700000" algn="tl">
-                    <a:srgbClr val="000000">
-                      <a:alpha val="43137"/>
-                    </a:srgbClr>
-                  </a:outerShdw>
-                </a:effectLst>
-                <a:latin typeface="微軟正黑體" pitchFamily="34" charset="-120"/>
-                <a:ea typeface="微軟正黑體" pitchFamily="34" charset="-120"/>
-              </a:rPr>
-              <a:t>袮</a:t>
+              <a:t>祢</a:t>
             </a:r>
             <a:r>
               <a:rPr lang="zh-TW" altLang="en-US" sz="7200" b="1" i="1" dirty="0">
@@ -3202,20 +3188,6 @@
               </a:rPr>
               <a:t> 哈利路亞</a:t>
             </a:r>
-            <a:endParaRPr lang="zh-TW" altLang="en-US" sz="7200" b="1" i="1" dirty="0">
-              <a:solidFill>
-                <a:srgbClr val="660033"/>
-              </a:solidFill>
-              <a:effectLst>
-                <a:outerShdw blurRad="38100" dist="38100" dir="2700000" algn="tl">
-                  <a:srgbClr val="000000">
-                    <a:alpha val="43137"/>
-                  </a:srgbClr>
-                </a:outerShdw>
-              </a:effectLst>
-              <a:latin typeface="微軟正黑體" pitchFamily="34" charset="-120"/>
-              <a:ea typeface="微軟正黑體" pitchFamily="34" charset="-120"/>
-            </a:endParaRPr>
           </a:p>
         </p:txBody>
       </p:sp>
@@ -3258,7 +3230,7 @@
           </a:lstStyle>
           <a:p>
             <a:r>
-              <a:rPr lang="vi-VN" sz="5400" b="1" i="1" dirty="0" smtClean="0">
+              <a:rPr lang="vi-VN" sz="5400" b="1" i="1" dirty="0">
                 <a:solidFill>
                   <a:srgbClr val="000066"/>
                 </a:solidFill>
@@ -3537,7 +3509,7 @@
               <a:buNone/>
             </a:pPr>
             <a:r>
-              <a:rPr lang="vi-VN" sz="3600" b="1" dirty="0" smtClean="0">
+              <a:rPr lang="vi-VN" sz="3600" b="1" dirty="0">
                 <a:solidFill>
                   <a:srgbClr val="000066"/>
                 </a:solidFill>
@@ -3545,18 +3517,7 @@
                 <a:ea typeface="微軟正黑體" pitchFamily="34" charset="-120"/>
                 <a:cs typeface="Calibri" panose="020F0502020204030204" pitchFamily="34" charset="0"/>
               </a:rPr>
-              <a:t>Hãy </a:t>
-            </a:r>
-            <a:r>
-              <a:rPr lang="vi-VN" sz="3600" b="1" dirty="0">
-                <a:solidFill>
-                  <a:srgbClr val="000066"/>
-                </a:solidFill>
-                <a:latin typeface="Calibri" panose="020F0502020204030204" pitchFamily="34" charset="0"/>
-                <a:ea typeface="微軟正黑體" pitchFamily="34" charset="-120"/>
-                <a:cs typeface="Calibri" panose="020F0502020204030204" pitchFamily="34" charset="0"/>
-              </a:rPr>
-              <a:t>lớn tiếng hát ca vang Chúa Ba Ngôi oai nghi năng quyền</a:t>
+              <a:t>Hãy lớn tiếng hát ca vang Chúa Ba Ngôi oai nghi năng quyền</a:t>
             </a:r>
             <a:endParaRPr lang="en-US" sz="3600" b="1" dirty="0">
               <a:solidFill>
@@ -3634,13 +3595,6 @@
               </a:rPr>
               <a:t>日日服事主  我心歡喜</a:t>
             </a:r>
-            <a:endParaRPr lang="zh-TW" altLang="en-US" sz="6400" b="1" dirty="0">
-              <a:solidFill>
-                <a:srgbClr val="660033"/>
-              </a:solidFill>
-              <a:latin typeface="微軟正黑體" pitchFamily="34" charset="-120"/>
-              <a:ea typeface="微軟正黑體" pitchFamily="34" charset="-120"/>
-            </a:endParaRPr>
           </a:p>
         </p:txBody>
       </p:sp>
@@ -3897,20 +3851,10 @@
                 <a:latin typeface="微軟正黑體" pitchFamily="34" charset="-120"/>
                 <a:ea typeface="微軟正黑體" pitchFamily="34" charset="-120"/>
               </a:rPr>
-              <a:t>讓讚美聲跨千</a:t>
-            </a:r>
-            <a:r>
-              <a:rPr lang="zh-TW" altLang="en-US" sz="6400" b="1" dirty="0" smtClean="0">
-                <a:solidFill>
-                  <a:srgbClr val="660033"/>
-                </a:solidFill>
-                <a:latin typeface="微軟正黑體" pitchFamily="34" charset="-120"/>
-                <a:ea typeface="微軟正黑體" pitchFamily="34" charset="-120"/>
-              </a:rPr>
-              <a:t>里</a:t>
-            </a:r>
-            <a:r>
-              <a:rPr lang="vi-VN" altLang="zh-TW" sz="6400" b="1" dirty="0" smtClean="0">
+              <a:t>讓讚美聲跨千里</a:t>
+            </a:r>
+            <a:r>
+              <a:rPr lang="vi-VN" altLang="zh-TW" sz="6400" b="1" dirty="0">
                 <a:solidFill>
                   <a:srgbClr val="660033"/>
                 </a:solidFill>
@@ -3920,32 +3864,15 @@
               <a:t>  </a:t>
             </a:r>
             <a:r>
-              <a:rPr lang="zh-TW" altLang="en-US" sz="6400" b="1" dirty="0" smtClean="0">
+              <a:rPr lang="zh-TW" altLang="en-US" sz="6400" b="1" dirty="0">
                 <a:solidFill>
                   <a:srgbClr val="660033"/>
                 </a:solidFill>
                 <a:latin typeface="微軟正黑體" pitchFamily="34" charset="-120"/>
                 <a:ea typeface="微軟正黑體" pitchFamily="34" charset="-120"/>
               </a:rPr>
-              <a:t>要</a:t>
-            </a:r>
-            <a:r>
-              <a:rPr lang="zh-TW" altLang="en-US" sz="6400" b="1" dirty="0">
-                <a:solidFill>
-                  <a:srgbClr val="660033"/>
-                </a:solidFill>
-                <a:latin typeface="微軟正黑體" pitchFamily="34" charset="-120"/>
-                <a:ea typeface="微軟正黑體" pitchFamily="34" charset="-120"/>
-              </a:rPr>
-              <a:t>唱唱唱莫停</a:t>
-            </a:r>
-            <a:endParaRPr lang="zh-TW" altLang="en-US" sz="6400" b="1" dirty="0">
-              <a:solidFill>
-                <a:srgbClr val="660033"/>
-              </a:solidFill>
-              <a:latin typeface="微軟正黑體" pitchFamily="34" charset="-120"/>
-              <a:ea typeface="微軟正黑體" pitchFamily="34" charset="-120"/>
-            </a:endParaRPr>
+              <a:t>要唱唱唱莫停</a:t>
+            </a:r>
           </a:p>
         </p:txBody>
       </p:sp>
@@ -4204,13 +4131,6 @@
               </a:rPr>
               <a:t>哈利路亞</a:t>
             </a:r>
-            <a:endParaRPr lang="zh-TW" altLang="en-US" sz="6400" b="1" dirty="0">
-              <a:solidFill>
-                <a:srgbClr val="660033"/>
-              </a:solidFill>
-              <a:latin typeface="微軟正黑體" pitchFamily="34" charset="-120"/>
-              <a:ea typeface="微軟正黑體" pitchFamily="34" charset="-120"/>
-            </a:endParaRPr>
           </a:p>
         </p:txBody>
       </p:sp>
@@ -4477,7 +4397,7 @@
                 <a:latin typeface="微軟正黑體" pitchFamily="34" charset="-120"/>
                 <a:ea typeface="微軟正黑體" pitchFamily="34" charset="-120"/>
               </a:rPr>
-              <a:t>袮</a:t>
+              <a:t>祢</a:t>
             </a:r>
             <a:r>
               <a:rPr lang="zh-TW" altLang="en-US" sz="6400" b="1" dirty="0">
@@ -4489,13 +4409,6 @@
               </a:rPr>
               <a:t>  哈利路亞</a:t>
             </a:r>
-            <a:endParaRPr lang="zh-TW" altLang="en-US" sz="6400" b="1" dirty="0">
-              <a:solidFill>
-                <a:srgbClr val="660033"/>
-              </a:solidFill>
-              <a:latin typeface="微軟正黑體" pitchFamily="34" charset="-120"/>
-              <a:ea typeface="微軟正黑體" pitchFamily="34" charset="-120"/>
-            </a:endParaRPr>
           </a:p>
         </p:txBody>
       </p:sp>
@@ -4762,7 +4675,7 @@
                 <a:latin typeface="微軟正黑體" pitchFamily="34" charset="-120"/>
                 <a:ea typeface="微軟正黑體" pitchFamily="34" charset="-120"/>
               </a:rPr>
-              <a:t>袮  </a:t>
+              <a:t>祢  </a:t>
             </a:r>
             <a:r>
               <a:rPr lang="zh-TW" altLang="en-US" sz="6400" b="1" dirty="0">
@@ -4774,13 +4687,6 @@
               </a:rPr>
               <a:t>哈利路亞  哈利路亞</a:t>
             </a:r>
-            <a:endParaRPr lang="zh-TW" altLang="en-US" sz="6400" b="1" dirty="0">
-              <a:solidFill>
-                <a:srgbClr val="660033"/>
-              </a:solidFill>
-              <a:latin typeface="微軟正黑體" pitchFamily="34" charset="-120"/>
-              <a:ea typeface="微軟正黑體" pitchFamily="34" charset="-120"/>
-            </a:endParaRPr>
           </a:p>
         </p:txBody>
       </p:sp>
@@ -5047,7 +4953,7 @@
                 <a:latin typeface="微軟正黑體" pitchFamily="34" charset="-120"/>
                 <a:ea typeface="微軟正黑體" pitchFamily="34" charset="-120"/>
               </a:rPr>
-              <a:t>袮</a:t>
+              <a:t>祢</a:t>
             </a:r>
             <a:r>
               <a:rPr lang="zh-TW" altLang="en-US" sz="6400" b="1" dirty="0">
@@ -5059,13 +4965,6 @@
               </a:rPr>
               <a:t>  哈利路亞</a:t>
             </a:r>
-            <a:endParaRPr lang="zh-TW" altLang="en-US" sz="6400" b="1" dirty="0">
-              <a:solidFill>
-                <a:srgbClr val="660033"/>
-              </a:solidFill>
-              <a:latin typeface="微軟正黑體" pitchFamily="34" charset="-120"/>
-              <a:ea typeface="微軟正黑體" pitchFamily="34" charset="-120"/>
-            </a:endParaRPr>
           </a:p>
         </p:txBody>
       </p:sp>
@@ -5332,7 +5231,7 @@
                 <a:latin typeface="微軟正黑體" pitchFamily="34" charset="-120"/>
                 <a:ea typeface="微軟正黑體" pitchFamily="34" charset="-120"/>
               </a:rPr>
-              <a:t>袮  </a:t>
+              <a:t>祢  </a:t>
             </a:r>
             <a:r>
               <a:rPr lang="zh-TW" altLang="en-US" sz="6400" b="1" dirty="0">
@@ -5344,13 +5243,6 @@
               </a:rPr>
               <a:t>哈利路亞  哈利路亞</a:t>
             </a:r>
-            <a:endParaRPr lang="zh-TW" altLang="en-US" sz="6400" b="1" dirty="0">
-              <a:solidFill>
-                <a:srgbClr val="660033"/>
-              </a:solidFill>
-              <a:latin typeface="微軟正黑體" pitchFamily="34" charset="-120"/>
-              <a:ea typeface="微軟正黑體" pitchFamily="34" charset="-120"/>
-            </a:endParaRPr>
           </a:p>
         </p:txBody>
       </p:sp>
